--- a/presentation/AvaloniaUI_presentation_GlennChanges.pptx
+++ b/presentation/AvaloniaUI_presentation_GlennChanges.pptx
@@ -226,7 +226,7 @@
           <a:p>
             <a:fld id="{D1F4D0EE-A379-441F-B824-ED7864835324}" type="datetimeFigureOut">
               <a:rPr lang="nl-NL" smtClean="0"/>
-              <a:t>12-10-2024</a:t>
+              <a:t>13-10-2024</a:t>
             </a:fld>
             <a:endParaRPr lang="nl-NL"/>
           </a:p>
@@ -819,7 +819,7 @@
           <a:p>
             <a:fld id="{FB3CBBC7-512E-4C81-913B-C81B6CFF109F}" type="datetimeFigureOut">
               <a:rPr lang="nl-NL" smtClean="0"/>
-              <a:t>12-10-2024</a:t>
+              <a:t>13-10-2024</a:t>
             </a:fld>
             <a:endParaRPr lang="nl-NL"/>
           </a:p>
@@ -1017,7 +1017,7 @@
           <a:p>
             <a:fld id="{FB3CBBC7-512E-4C81-913B-C81B6CFF109F}" type="datetimeFigureOut">
               <a:rPr lang="nl-NL" smtClean="0"/>
-              <a:t>12-10-2024</a:t>
+              <a:t>13-10-2024</a:t>
             </a:fld>
             <a:endParaRPr lang="nl-NL"/>
           </a:p>
@@ -1225,7 +1225,7 @@
           <a:p>
             <a:fld id="{FB3CBBC7-512E-4C81-913B-C81B6CFF109F}" type="datetimeFigureOut">
               <a:rPr lang="nl-NL" smtClean="0"/>
-              <a:t>12-10-2024</a:t>
+              <a:t>13-10-2024</a:t>
             </a:fld>
             <a:endParaRPr lang="nl-NL"/>
           </a:p>
@@ -1423,7 +1423,7 @@
           <a:p>
             <a:fld id="{FB3CBBC7-512E-4C81-913B-C81B6CFF109F}" type="datetimeFigureOut">
               <a:rPr lang="nl-NL" smtClean="0"/>
-              <a:t>12-10-2024</a:t>
+              <a:t>13-10-2024</a:t>
             </a:fld>
             <a:endParaRPr lang="nl-NL"/>
           </a:p>
@@ -1698,7 +1698,7 @@
           <a:p>
             <a:fld id="{FB3CBBC7-512E-4C81-913B-C81B6CFF109F}" type="datetimeFigureOut">
               <a:rPr lang="nl-NL" smtClean="0"/>
-              <a:t>12-10-2024</a:t>
+              <a:t>13-10-2024</a:t>
             </a:fld>
             <a:endParaRPr lang="nl-NL"/>
           </a:p>
@@ -1963,7 +1963,7 @@
           <a:p>
             <a:fld id="{FB3CBBC7-512E-4C81-913B-C81B6CFF109F}" type="datetimeFigureOut">
               <a:rPr lang="nl-NL" smtClean="0"/>
-              <a:t>12-10-2024</a:t>
+              <a:t>13-10-2024</a:t>
             </a:fld>
             <a:endParaRPr lang="nl-NL"/>
           </a:p>
@@ -2375,7 +2375,7 @@
           <a:p>
             <a:fld id="{FB3CBBC7-512E-4C81-913B-C81B6CFF109F}" type="datetimeFigureOut">
               <a:rPr lang="nl-NL" smtClean="0"/>
-              <a:t>12-10-2024</a:t>
+              <a:t>13-10-2024</a:t>
             </a:fld>
             <a:endParaRPr lang="nl-NL"/>
           </a:p>
@@ -2516,7 +2516,7 @@
           <a:p>
             <a:fld id="{FB3CBBC7-512E-4C81-913B-C81B6CFF109F}" type="datetimeFigureOut">
               <a:rPr lang="nl-NL" smtClean="0"/>
-              <a:t>12-10-2024</a:t>
+              <a:t>13-10-2024</a:t>
             </a:fld>
             <a:endParaRPr lang="nl-NL"/>
           </a:p>
@@ -2629,7 +2629,7 @@
           <a:p>
             <a:fld id="{FB3CBBC7-512E-4C81-913B-C81B6CFF109F}" type="datetimeFigureOut">
               <a:rPr lang="nl-NL" smtClean="0"/>
-              <a:t>12-10-2024</a:t>
+              <a:t>13-10-2024</a:t>
             </a:fld>
             <a:endParaRPr lang="nl-NL"/>
           </a:p>
@@ -2940,7 +2940,7 @@
           <a:p>
             <a:fld id="{FB3CBBC7-512E-4C81-913B-C81B6CFF109F}" type="datetimeFigureOut">
               <a:rPr lang="nl-NL" smtClean="0"/>
-              <a:t>12-10-2024</a:t>
+              <a:t>13-10-2024</a:t>
             </a:fld>
             <a:endParaRPr lang="nl-NL"/>
           </a:p>
@@ -3228,7 +3228,7 @@
           <a:p>
             <a:fld id="{FB3CBBC7-512E-4C81-913B-C81B6CFF109F}" type="datetimeFigureOut">
               <a:rPr lang="nl-NL" smtClean="0"/>
-              <a:t>12-10-2024</a:t>
+              <a:t>13-10-2024</a:t>
             </a:fld>
             <a:endParaRPr lang="nl-NL"/>
           </a:p>
@@ -3469,7 +3469,7 @@
           <a:p>
             <a:fld id="{FB3CBBC7-512E-4C81-913B-C81B6CFF109F}" type="datetimeFigureOut">
               <a:rPr lang="nl-NL" smtClean="0"/>
-              <a:t>12-10-2024</a:t>
+              <a:t>13-10-2024</a:t>
             </a:fld>
             <a:endParaRPr lang="nl-NL"/>
           </a:p>
@@ -5091,6 +5091,36 @@
           </a:prstGeom>
         </p:spPr>
       </p:pic>
+      <p:pic>
+        <p:nvPicPr>
+          <p:cNvPr id="6" name="Picture 5">
+            <a:extLst>
+              <a:ext uri="{FF2B5EF4-FFF2-40B4-BE49-F238E27FC236}">
+                <a16:creationId xmlns:a16="http://schemas.microsoft.com/office/drawing/2014/main" id="{E2CA3D1C-7D7C-6A9A-8B7E-8BF7E51A4E61}"/>
+              </a:ext>
+            </a:extLst>
+          </p:cNvPr>
+          <p:cNvPicPr>
+            <a:picLocks noChangeAspect="1"/>
+          </p:cNvPicPr>
+          <p:nvPr/>
+        </p:nvPicPr>
+        <p:blipFill>
+          <a:blip r:embed="rId4"/>
+          <a:stretch>
+            <a:fillRect/>
+          </a:stretch>
+        </p:blipFill>
+        <p:spPr>
+          <a:xfrm>
+            <a:off x="7376788" y="222122"/>
+            <a:ext cx="3977012" cy="2603373"/>
+          </a:xfrm>
+          <a:prstGeom prst="rect">
+            <a:avLst/>
+          </a:prstGeom>
+        </p:spPr>
+      </p:pic>
     </p:spTree>
     <p:extLst>
       <p:ext uri="{BB962C8B-B14F-4D97-AF65-F5344CB8AC3E}">
@@ -5723,21 +5753,7 @@
           <a:p>
             <a:r>
               <a:rPr lang="nl-NL" dirty="0"/>
-              <a:t>Cross platform</a:t>
-            </a:r>
-          </a:p>
-          <a:p>
-            <a:r>
-              <a:rPr lang="nl-NL" dirty="0"/>
-              <a:t>MVVM </a:t>
-            </a:r>
-            <a:r>
-              <a:rPr lang="nl-NL" dirty="0" err="1"/>
-              <a:t>provides</a:t>
-            </a:r>
-            <a:r>
-              <a:rPr lang="nl-NL" dirty="0"/>
-              <a:t> 2-way data-binding</a:t>
+              <a:t>Cross-platform</a:t>
             </a:r>
           </a:p>
           <a:p>
@@ -5751,6 +5767,10 @@
             </a:r>
           </a:p>
           <a:p>
+            <a:r>
+              <a:rPr lang="en-GB" dirty="0"/>
+              <a:t>Active Adoption</a:t>
+            </a:r>
             <a:endParaRPr lang="nl-NL" dirty="0"/>
           </a:p>
         </p:txBody>
@@ -5983,7 +6003,7 @@
           <a:p>
             <a:r>
               <a:rPr lang="nl-NL" dirty="0" err="1"/>
-              <a:t>Vscode</a:t>
+              <a:t>VScode</a:t>
             </a:r>
             <a:r>
               <a:rPr lang="nl-NL" dirty="0"/>
@@ -6642,11 +6662,11 @@
             </a:r>
             <a:r>
               <a:rPr lang="nl-NL" sz="1600" dirty="0"/>
-              <a:t> </a:t>
+              <a:t> project </a:t>
             </a:r>
             <a:r>
               <a:rPr lang="nl-NL" sz="1600" dirty="0" err="1"/>
-              <a:t>useful</a:t>
+              <a:t>build</a:t>
             </a:r>
             <a:r>
               <a:rPr lang="nl-NL" sz="1600" dirty="0"/>
@@ -6654,22 +6674,14 @@
             </a:r>
             <a:r>
               <a:rPr lang="nl-NL" sz="1600" dirty="0" err="1"/>
-              <a:t>dotnet</a:t>
-            </a:r>
-            <a:r>
-              <a:rPr lang="nl-NL" sz="1600" dirty="0"/>
-              <a:t> </a:t>
-            </a:r>
-            <a:r>
-              <a:rPr lang="nl-NL" sz="1600" dirty="0" err="1"/>
-              <a:t>commands</a:t>
-            </a:r>
-            <a:endParaRPr lang="nl-NL" sz="1600" dirty="0"/>
+              <a:t>instructions</a:t>
+            </a:r>
+            <a:endParaRPr lang="nl-NL" sz="1600"/>
           </a:p>
           <a:p>
             <a:pPr lvl="1"/>
             <a:r>
-              <a:rPr lang="nl-NL" sz="1600" dirty="0" err="1"/>
+              <a:rPr lang="nl-NL" sz="1600"/>
               <a:t>Otherwise</a:t>
             </a:r>
             <a:r>
